--- a/Partie personnelle Audran RAYNAL/REVUE 2.pptx
+++ b/Partie personnelle Audran RAYNAL/REVUE 2.pptx
@@ -616,7 +616,7 @@
           <a:p>
             <a:fld id="{0E7E3166-6D42-4B60-9FBD-CC17AD9838B7}" type="datetimeFigureOut">
               <a:rPr lang="fr-FR" smtClean="0"/>
-              <a:t>15/01/2019</a:t>
+              <a:t>01/02/2019</a:t>
             </a:fld>
             <a:endParaRPr lang="fr-FR"/>
           </a:p>
@@ -912,7 +912,7 @@
           <a:p>
             <a:fld id="{0E7E3166-6D42-4B60-9FBD-CC17AD9838B7}" type="datetimeFigureOut">
               <a:rPr lang="fr-FR" smtClean="0"/>
-              <a:t>15/01/2019</a:t>
+              <a:t>01/02/2019</a:t>
             </a:fld>
             <a:endParaRPr lang="fr-FR"/>
           </a:p>
@@ -1160,7 +1160,7 @@
           <a:p>
             <a:fld id="{0E7E3166-6D42-4B60-9FBD-CC17AD9838B7}" type="datetimeFigureOut">
               <a:rPr lang="fr-FR" smtClean="0"/>
-              <a:t>15/01/2019</a:t>
+              <a:t>01/02/2019</a:t>
             </a:fld>
             <a:endParaRPr lang="fr-FR"/>
           </a:p>
@@ -1700,7 +1700,7 @@
           <a:p>
             <a:fld id="{0E7E3166-6D42-4B60-9FBD-CC17AD9838B7}" type="datetimeFigureOut">
               <a:rPr lang="fr-FR" smtClean="0"/>
-              <a:t>15/01/2019</a:t>
+              <a:t>01/02/2019</a:t>
             </a:fld>
             <a:endParaRPr lang="fr-FR"/>
           </a:p>
@@ -1948,7 +1948,7 @@
           <a:p>
             <a:fld id="{0E7E3166-6D42-4B60-9FBD-CC17AD9838B7}" type="datetimeFigureOut">
               <a:rPr lang="fr-FR" smtClean="0"/>
-              <a:t>15/01/2019</a:t>
+              <a:t>01/02/2019</a:t>
             </a:fld>
             <a:endParaRPr lang="fr-FR"/>
           </a:p>
@@ -2480,7 +2480,7 @@
           <a:p>
             <a:fld id="{0E7E3166-6D42-4B60-9FBD-CC17AD9838B7}" type="datetimeFigureOut">
               <a:rPr lang="fr-FR" smtClean="0"/>
-              <a:t>15/01/2019</a:t>
+              <a:t>01/02/2019</a:t>
             </a:fld>
             <a:endParaRPr lang="fr-FR"/>
           </a:p>
@@ -2777,7 +2777,7 @@
           <a:p>
             <a:fld id="{0E7E3166-6D42-4B60-9FBD-CC17AD9838B7}" type="datetimeFigureOut">
               <a:rPr lang="fr-FR" smtClean="0"/>
-              <a:t>15/01/2019</a:t>
+              <a:t>01/02/2019</a:t>
             </a:fld>
             <a:endParaRPr lang="fr-FR"/>
           </a:p>
@@ -2951,7 +2951,7 @@
           <a:p>
             <a:fld id="{0E7E3166-6D42-4B60-9FBD-CC17AD9838B7}" type="datetimeFigureOut">
               <a:rPr lang="fr-FR" smtClean="0"/>
-              <a:t>15/01/2019</a:t>
+              <a:t>01/02/2019</a:t>
             </a:fld>
             <a:endParaRPr lang="fr-FR"/>
           </a:p>
@@ -3131,7 +3131,7 @@
           <a:p>
             <a:fld id="{0E7E3166-6D42-4B60-9FBD-CC17AD9838B7}" type="datetimeFigureOut">
               <a:rPr lang="fr-FR" smtClean="0"/>
-              <a:t>15/01/2019</a:t>
+              <a:t>01/02/2019</a:t>
             </a:fld>
             <a:endParaRPr lang="fr-FR"/>
           </a:p>
@@ -3301,7 +3301,7 @@
           <a:p>
             <a:fld id="{0E7E3166-6D42-4B60-9FBD-CC17AD9838B7}" type="datetimeFigureOut">
               <a:rPr lang="fr-FR" smtClean="0"/>
-              <a:t>15/01/2019</a:t>
+              <a:t>01/02/2019</a:t>
             </a:fld>
             <a:endParaRPr lang="fr-FR"/>
           </a:p>
@@ -3552,7 +3552,7 @@
           <a:p>
             <a:fld id="{0E7E3166-6D42-4B60-9FBD-CC17AD9838B7}" type="datetimeFigureOut">
               <a:rPr lang="fr-FR" smtClean="0"/>
-              <a:t>15/01/2019</a:t>
+              <a:t>01/02/2019</a:t>
             </a:fld>
             <a:endParaRPr lang="fr-FR"/>
           </a:p>
@@ -3849,7 +3849,7 @@
           <a:p>
             <a:fld id="{0E7E3166-6D42-4B60-9FBD-CC17AD9838B7}" type="datetimeFigureOut">
               <a:rPr lang="fr-FR" smtClean="0"/>
-              <a:t>15/01/2019</a:t>
+              <a:t>01/02/2019</a:t>
             </a:fld>
             <a:endParaRPr lang="fr-FR"/>
           </a:p>
@@ -4291,7 +4291,7 @@
           <a:p>
             <a:fld id="{0E7E3166-6D42-4B60-9FBD-CC17AD9838B7}" type="datetimeFigureOut">
               <a:rPr lang="fr-FR" smtClean="0"/>
-              <a:t>15/01/2019</a:t>
+              <a:t>01/02/2019</a:t>
             </a:fld>
             <a:endParaRPr lang="fr-FR"/>
           </a:p>
@@ -4409,7 +4409,7 @@
           <a:p>
             <a:fld id="{0E7E3166-6D42-4B60-9FBD-CC17AD9838B7}" type="datetimeFigureOut">
               <a:rPr lang="fr-FR" smtClean="0"/>
-              <a:t>15/01/2019</a:t>
+              <a:t>01/02/2019</a:t>
             </a:fld>
             <a:endParaRPr lang="fr-FR"/>
           </a:p>
@@ -4504,7 +4504,7 @@
           <a:p>
             <a:fld id="{0E7E3166-6D42-4B60-9FBD-CC17AD9838B7}" type="datetimeFigureOut">
               <a:rPr lang="fr-FR" smtClean="0"/>
-              <a:t>15/01/2019</a:t>
+              <a:t>01/02/2019</a:t>
             </a:fld>
             <a:endParaRPr lang="fr-FR"/>
           </a:p>
@@ -4787,7 +4787,7 @@
           <a:p>
             <a:fld id="{0E7E3166-6D42-4B60-9FBD-CC17AD9838B7}" type="datetimeFigureOut">
               <a:rPr lang="fr-FR" smtClean="0"/>
-              <a:t>15/01/2019</a:t>
+              <a:t>01/02/2019</a:t>
             </a:fld>
             <a:endParaRPr lang="fr-FR"/>
           </a:p>
@@ -5078,7 +5078,7 @@
           <a:p>
             <a:fld id="{0E7E3166-6D42-4B60-9FBD-CC17AD9838B7}" type="datetimeFigureOut">
               <a:rPr lang="fr-FR" smtClean="0"/>
-              <a:t>15/01/2019</a:t>
+              <a:t>01/02/2019</a:t>
             </a:fld>
             <a:endParaRPr lang="fr-FR"/>
           </a:p>
@@ -5635,7 +5635,7 @@
           <a:p>
             <a:fld id="{0E7E3166-6D42-4B60-9FBD-CC17AD9838B7}" type="datetimeFigureOut">
               <a:rPr lang="fr-FR" smtClean="0"/>
-              <a:t>15/01/2019</a:t>
+              <a:t>01/02/2019</a:t>
             </a:fld>
             <a:endParaRPr lang="fr-FR"/>
           </a:p>
@@ -6341,6 +6341,48 @@
           </a:prstGeom>
         </p:spPr>
       </p:pic>
+      <p:sp>
+        <p:nvSpPr>
+          <p:cNvPr id="5" name="ZoneTexte 4">
+            <a:extLst>
+              <a:ext uri="{FF2B5EF4-FFF2-40B4-BE49-F238E27FC236}">
+                <a16:creationId xmlns:a16="http://schemas.microsoft.com/office/drawing/2014/main" id="{8A94BB1D-CFE7-4EA8-BA4D-FA65FE054191}"/>
+              </a:ext>
+            </a:extLst>
+          </p:cNvPr>
+          <p:cNvSpPr txBox="1"/>
+          <p:nvPr/>
+        </p:nvSpPr>
+        <p:spPr>
+          <a:xfrm>
+            <a:off x="8129821" y="5193792"/>
+            <a:ext cx="3108960" cy="461665"/>
+          </a:xfrm>
+          <a:prstGeom prst="rect">
+            <a:avLst/>
+          </a:prstGeom>
+          <a:noFill/>
+        </p:spPr>
+        <p:txBody>
+          <a:bodyPr wrap="square" rtlCol="0">
+            <a:spAutoFit/>
+          </a:bodyPr>
+          <a:lstStyle/>
+          <a:p>
+            <a:r>
+              <a:rPr lang="fr-FR" sz="2400" i="1" dirty="0">
+                <a:solidFill>
+                  <a:srgbClr val="799B2D"/>
+                </a:solidFill>
+                <a:latin typeface="Segoe UI Semibold" panose="020B0702040204020203" pitchFamily="34" charset="0"/>
+                <a:cs typeface="Segoe UI Semibold" panose="020B0702040204020203" pitchFamily="34" charset="0"/>
+              </a:rPr>
+              <a:t>Revue 2</a:t>
+            </a:r>
+            <a:endParaRPr lang="fr-FR" sz="2400" i="1" dirty="0"/>
+          </a:p>
+        </p:txBody>
+      </p:sp>
     </p:spTree>
     <p:extLst>
       <p:ext uri="{BB962C8B-B14F-4D97-AF65-F5344CB8AC3E}">
